--- a/06. ROUTING AND ARCHITECTURE/06. JS-Applications-Routing-and-Architecture.pptx
+++ b/06. ROUTING AND ARCHITECTURE/06. JS-Applications-Routing-and-Architecture.pptx
@@ -327,7 +327,7 @@
           <a:p>
             <a:fld id="{4E087215-0C8F-4762-A664-737A353EC9A4}" type="datetimeFigureOut">
               <a:rPr lang="bg-BG" smtClean="0"/>
-              <a:t>10.7.2019 г.</a:t>
+              <a:t>23.10.2019 г.</a:t>
             </a:fld>
             <a:endParaRPr lang="bg-BG"/>
           </a:p>
@@ -504,7 +504,7 @@
           <a:p>
             <a:fld id="{72D84649-876A-46C9-8472-14CB09C070D8}" type="datetimeFigureOut">
               <a:rPr lang="en-US" smtClean="0"/>
-              <a:t>7/10/2019</a:t>
+              <a:t>10/23/2019</a:t>
             </a:fld>
             <a:endParaRPr lang="en-US" dirty="0"/>
           </a:p>
@@ -3948,7 +3948,7 @@
             <a:fld id="{055373AC-9AA7-423B-BA00-BA1C74164DBD}" type="datetime1">
               <a:rPr lang="en-US" smtClean="0"/>
               <a:pPr/>
-              <a:t>7/10/2019</a:t>
+              <a:t>10/23/2019</a:t>
             </a:fld>
             <a:endParaRPr lang="en-US" dirty="0"/>
           </a:p>
@@ -4426,7 +4426,7 @@
             <a:fld id="{055373AC-9AA7-423B-BA00-BA1C74164DBD}" type="datetime1">
               <a:rPr lang="en-US" smtClean="0"/>
               <a:pPr/>
-              <a:t>7/10/2019</a:t>
+              <a:t>10/23/2019</a:t>
             </a:fld>
             <a:endParaRPr lang="en-US" dirty="0"/>
           </a:p>
@@ -5784,7 +5784,7 @@
             <a:fld id="{055373AC-9AA7-423B-BA00-BA1C74164DBD}" type="datetime1">
               <a:rPr lang="en-US" smtClean="0"/>
               <a:pPr/>
-              <a:t>7/10/2019</a:t>
+              <a:t>10/23/2019</a:t>
             </a:fld>
             <a:endParaRPr lang="en-US" dirty="0"/>
           </a:p>
@@ -7604,7 +7604,7 @@
             <a:fld id="{055373AC-9AA7-423B-BA00-BA1C74164DBD}" type="datetime1">
               <a:rPr lang="en-US" smtClean="0"/>
               <a:pPr/>
-              <a:t>7/10/2019</a:t>
+              <a:t>10/23/2019</a:t>
             </a:fld>
             <a:endParaRPr lang="en-US" dirty="0"/>
           </a:p>
@@ -8041,7 +8041,7 @@
             <a:fld id="{055373AC-9AA7-423B-BA00-BA1C74164DBD}" type="datetime1">
               <a:rPr lang="en-US" smtClean="0"/>
               <a:pPr/>
-              <a:t>7/10/2019</a:t>
+              <a:t>10/23/2019</a:t>
             </a:fld>
             <a:endParaRPr lang="en-US" dirty="0"/>
           </a:p>
@@ -8755,7 +8755,7 @@
             <a:fld id="{055373AC-9AA7-423B-BA00-BA1C74164DBD}" type="datetime1">
               <a:rPr lang="en-US" smtClean="0"/>
               <a:pPr/>
-              <a:t>7/10/2019</a:t>
+              <a:t>10/23/2019</a:t>
             </a:fld>
             <a:endParaRPr lang="en-US" dirty="0"/>
           </a:p>
@@ -9166,7 +9166,7 @@
             <a:fld id="{055373AC-9AA7-423B-BA00-BA1C74164DBD}" type="datetime1">
               <a:rPr lang="en-US" smtClean="0"/>
               <a:pPr/>
-              <a:t>7/10/2019</a:t>
+              <a:t>10/23/2019</a:t>
             </a:fld>
             <a:endParaRPr lang="en-US" dirty="0"/>
           </a:p>
@@ -9535,7 +9535,7 @@
             <a:fld id="{055373AC-9AA7-423B-BA00-BA1C74164DBD}" type="datetime1">
               <a:rPr lang="en-US" smtClean="0"/>
               <a:pPr/>
-              <a:t>7/10/2019</a:t>
+              <a:t>10/23/2019</a:t>
             </a:fld>
             <a:endParaRPr lang="en-US" dirty="0"/>
           </a:p>
@@ -10203,7 +10203,7 @@
             <a:fld id="{055373AC-9AA7-423B-BA00-BA1C74164DBD}" type="datetime1">
               <a:rPr lang="en-US" smtClean="0"/>
               <a:pPr/>
-              <a:t>7/10/2019</a:t>
+              <a:t>10/23/2019</a:t>
             </a:fld>
             <a:endParaRPr lang="en-US" dirty="0"/>
           </a:p>
@@ -10664,7 +10664,7 @@
             <a:fld id="{055373AC-9AA7-423B-BA00-BA1C74164DBD}" type="datetime1">
               <a:rPr lang="en-US" smtClean="0"/>
               <a:pPr/>
-              <a:t>7/10/2019</a:t>
+              <a:t>10/23/2019</a:t>
             </a:fld>
             <a:endParaRPr lang="en-US" dirty="0"/>
           </a:p>
@@ -10848,7 +10848,7 @@
             <a:fld id="{055373AC-9AA7-423B-BA00-BA1C74164DBD}" type="datetime1">
               <a:rPr lang="en-US" smtClean="0"/>
               <a:pPr/>
-              <a:t>7/10/2019</a:t>
+              <a:t>10/23/2019</a:t>
             </a:fld>
             <a:endParaRPr lang="en-US" dirty="0"/>
           </a:p>
@@ -12036,7 +12036,7 @@
               <a:rPr lang="en-GB" sz="2400" b="1" dirty="0">
                 <a:latin typeface="Consolas" panose="020B0609020204030204" pitchFamily="49" charset="0"/>
               </a:rPr>
-              <a:t>Listen();</a:t>
+              <a:t>listen();</a:t>
             </a:r>
           </a:p>
         </p:txBody>
